--- a/material/create_summary/pdf/Test1/a/20221212/岡田健之_20221212.pptx
+++ b/material/create_summary/pdf/Test1/a/20221212/岡田健之_20221212.pptx
@@ -203,7 +203,7 @@
           <a:p>
             <a:fld id="{A8D419FE-C60C-4E24-8B4C-1AF8859A1D1C}" type="datetimeFigureOut">
               <a:rPr kumimoji="1" lang="ja-JP" altLang="en-US" smtClean="0"/>
-              <a:t>2022/12/11</a:t>
+              <a:t>2022/12/12</a:t>
             </a:fld>
             <a:endParaRPr kumimoji="1" lang="ja-JP" altLang="en-US"/>
           </a:p>
@@ -726,9 +726,9 @@
           <a:bodyPr/>
           <a:lstStyle/>
           <a:p>
-            <a:fld id="{26E5E938-EB1B-4C51-9BC0-AFBE9261FEE5}" type="datetime1">
+            <a:fld id="{A50277D9-BD4B-4861-B2E0-AE679F944A74}" type="datetime1">
               <a:rPr kumimoji="1" lang="ja-JP" altLang="en-US" smtClean="0"/>
-              <a:t>2022/12/11</a:t>
+              <a:t>2022/12/12</a:t>
             </a:fld>
             <a:endParaRPr kumimoji="1" lang="ja-JP" altLang="en-US"/>
           </a:p>
@@ -751,10 +751,8 @@
           <a:p>
             <a:r>
               <a:rPr kumimoji="1" lang="en-US" altLang="ja-JP"/>
-              <a:t>Precision Mechatronics Systems Laboratory</a:t>
-            </a:r>
-          </a:p>
-          <a:p>
+              <a:t>Test1</a:t>
+            </a:r>
             <a:endParaRPr kumimoji="1" lang="ja-JP" altLang="en-US" dirty="0"/>
           </a:p>
         </p:txBody>
@@ -977,9 +975,9 @@
           <a:bodyPr/>
           <a:lstStyle/>
           <a:p>
-            <a:fld id="{A0FE27A5-F631-44AF-B529-98F2BF2D8A02}" type="datetime1">
+            <a:fld id="{AE472499-17E4-4D46-860E-66585D6126D3}" type="datetime1">
               <a:rPr kumimoji="1" lang="ja-JP" altLang="en-US" smtClean="0"/>
-              <a:t>2022/12/11</a:t>
+              <a:t>2022/12/12</a:t>
             </a:fld>
             <a:endParaRPr kumimoji="1" lang="ja-JP" altLang="en-US"/>
           </a:p>
@@ -1002,10 +1000,8 @@
           <a:p>
             <a:r>
               <a:rPr kumimoji="1" lang="en-US" altLang="ja-JP"/>
-              <a:t>Precision Mechatronics Systems Laboratory</a:t>
-            </a:r>
-          </a:p>
-          <a:p>
+              <a:t>Test1</a:t>
+            </a:r>
             <a:endParaRPr kumimoji="1" lang="ja-JP" altLang="en-US" dirty="0"/>
           </a:p>
         </p:txBody>
@@ -1272,9 +1268,9 @@
           <a:bodyPr/>
           <a:lstStyle/>
           <a:p>
-            <a:fld id="{233207AB-1FFA-411B-8CB7-1BDE9575E18C}" type="datetime1">
+            <a:fld id="{1C0E7EC4-2A55-4DF8-9943-BCAE2C886597}" type="datetime1">
               <a:rPr kumimoji="1" lang="ja-JP" altLang="en-US" smtClean="0"/>
-              <a:t>2022/12/11</a:t>
+              <a:t>2022/12/12</a:t>
             </a:fld>
             <a:endParaRPr kumimoji="1" lang="ja-JP" altLang="en-US"/>
           </a:p>
@@ -1297,10 +1293,8 @@
           <a:p>
             <a:r>
               <a:rPr kumimoji="1" lang="en-US" altLang="ja-JP"/>
-              <a:t>Precision Mechatronics Systems Laboratory</a:t>
-            </a:r>
-          </a:p>
-          <a:p>
+              <a:t>Test1</a:t>
+            </a:r>
             <a:endParaRPr kumimoji="1" lang="ja-JP" altLang="en-US" dirty="0"/>
           </a:p>
         </p:txBody>
@@ -1499,9 +1493,9 @@
           <a:bodyPr/>
           <a:lstStyle/>
           <a:p>
-            <a:fld id="{3C43DD58-5E44-4F0A-9FB6-4861AE2D33D8}" type="datetime1">
+            <a:fld id="{39C5E172-C49B-45B5-9DD9-AF4673834A58}" type="datetime1">
               <a:rPr kumimoji="1" lang="ja-JP" altLang="en-US" smtClean="0"/>
-              <a:t>2022/12/11</a:t>
+              <a:t>2022/12/12</a:t>
             </a:fld>
             <a:endParaRPr kumimoji="1" lang="ja-JP" altLang="en-US"/>
           </a:p>
@@ -1524,10 +1518,8 @@
           <a:p>
             <a:r>
               <a:rPr kumimoji="1" lang="en-US" altLang="ja-JP"/>
-              <a:t>Precision Mechatronics Systems Laboratory</a:t>
-            </a:r>
-          </a:p>
-          <a:p>
+              <a:t>Test1</a:t>
+            </a:r>
             <a:endParaRPr kumimoji="1" lang="ja-JP" altLang="en-US" dirty="0"/>
           </a:p>
         </p:txBody>
@@ -1849,9 +1841,9 @@
           <a:bodyPr/>
           <a:lstStyle/>
           <a:p>
-            <a:fld id="{4454EA31-3960-45BB-8DED-9CED9FA023E3}" type="datetime1">
+            <a:fld id="{87D7C0E7-C736-4932-9792-37472927A154}" type="datetime1">
               <a:rPr kumimoji="1" lang="ja-JP" altLang="en-US" smtClean="0"/>
-              <a:t>2022/12/11</a:t>
+              <a:t>2022/12/12</a:t>
             </a:fld>
             <a:endParaRPr kumimoji="1" lang="ja-JP" altLang="en-US"/>
           </a:p>
@@ -1874,10 +1866,8 @@
           <a:p>
             <a:r>
               <a:rPr kumimoji="1" lang="en-US" altLang="ja-JP"/>
-              <a:t>Precision Mechatronics Systems Laboratory</a:t>
-            </a:r>
-          </a:p>
-          <a:p>
+              <a:t>Test1</a:t>
+            </a:r>
             <a:endParaRPr kumimoji="1" lang="ja-JP" altLang="en-US" dirty="0"/>
           </a:p>
         </p:txBody>
@@ -2195,9 +2185,9 @@
           <a:bodyPr/>
           <a:lstStyle/>
           <a:p>
-            <a:fld id="{F8819406-D2EF-430C-BD02-0E24BF37C6DF}" type="datetime1">
+            <a:fld id="{D7F6938A-8A84-4E18-B01B-FE39C1E0F13A}" type="datetime1">
               <a:rPr kumimoji="1" lang="ja-JP" altLang="en-US" smtClean="0"/>
-              <a:t>2022/12/11</a:t>
+              <a:t>2022/12/12</a:t>
             </a:fld>
             <a:endParaRPr kumimoji="1" lang="ja-JP" altLang="en-US"/>
           </a:p>
@@ -2220,10 +2210,8 @@
           <a:p>
             <a:r>
               <a:rPr kumimoji="1" lang="en-US" altLang="ja-JP"/>
-              <a:t>Precision Mechatronics Systems Laboratory</a:t>
-            </a:r>
-          </a:p>
-          <a:p>
+              <a:t>Test1</a:t>
+            </a:r>
             <a:endParaRPr kumimoji="1" lang="ja-JP" altLang="en-US" dirty="0"/>
           </a:p>
         </p:txBody>
@@ -2645,9 +2633,9 @@
           <a:bodyPr/>
           <a:lstStyle/>
           <a:p>
-            <a:fld id="{AE355A88-06D4-4F0D-9535-CFCEA6E90834}" type="datetime1">
+            <a:fld id="{74BD0808-BA88-4E2D-B563-EF63F0438038}" type="datetime1">
               <a:rPr kumimoji="1" lang="ja-JP" altLang="en-US" smtClean="0"/>
-              <a:t>2022/12/11</a:t>
+              <a:t>2022/12/12</a:t>
             </a:fld>
             <a:endParaRPr kumimoji="1" lang="ja-JP" altLang="en-US"/>
           </a:p>
@@ -2670,10 +2658,8 @@
           <a:p>
             <a:r>
               <a:rPr kumimoji="1" lang="en-US" altLang="ja-JP"/>
-              <a:t>Precision Mechatronics Systems Laboratory</a:t>
-            </a:r>
-          </a:p>
-          <a:p>
+              <a:t>Test1</a:t>
+            </a:r>
             <a:endParaRPr kumimoji="1" lang="ja-JP" altLang="en-US" dirty="0"/>
           </a:p>
         </p:txBody>
@@ -2770,9 +2756,9 @@
           <a:bodyPr/>
           <a:lstStyle/>
           <a:p>
-            <a:fld id="{C7EB837E-110F-4887-921A-D999AEBE860D}" type="datetime1">
+            <a:fld id="{B56B9695-A5A2-402D-800B-ED4689644858}" type="datetime1">
               <a:rPr kumimoji="1" lang="ja-JP" altLang="en-US" smtClean="0"/>
-              <a:t>2022/12/11</a:t>
+              <a:t>2022/12/12</a:t>
             </a:fld>
             <a:endParaRPr kumimoji="1" lang="ja-JP" altLang="en-US"/>
           </a:p>
@@ -2795,10 +2781,8 @@
           <a:p>
             <a:r>
               <a:rPr kumimoji="1" lang="en-US" altLang="ja-JP"/>
-              <a:t>Precision Mechatronics Systems Laboratory</a:t>
-            </a:r>
-          </a:p>
-          <a:p>
+              <a:t>Test1</a:t>
+            </a:r>
             <a:endParaRPr kumimoji="1" lang="ja-JP" altLang="en-US" dirty="0"/>
           </a:p>
         </p:txBody>
@@ -2948,9 +2932,9 @@
           <a:bodyPr/>
           <a:lstStyle/>
           <a:p>
-            <a:fld id="{D923E8EA-E8E9-44E2-9AAA-C95DA90BC02B}" type="datetime1">
+            <a:fld id="{292A2182-FA9A-45B2-9277-024CBA98AF7E}" type="datetime1">
               <a:rPr kumimoji="1" lang="ja-JP" altLang="en-US" smtClean="0"/>
-              <a:t>2022/12/11</a:t>
+              <a:t>2022/12/12</a:t>
             </a:fld>
             <a:endParaRPr kumimoji="1" lang="ja-JP" altLang="en-US"/>
           </a:p>
@@ -2981,10 +2965,8 @@
           <a:p>
             <a:r>
               <a:rPr kumimoji="1" lang="en-US" altLang="ja-JP"/>
-              <a:t>Precision Mechatronics Systems Laboratory</a:t>
-            </a:r>
-          </a:p>
-          <a:p>
+              <a:t>Test1</a:t>
+            </a:r>
             <a:endParaRPr kumimoji="1" lang="ja-JP" altLang="en-US" dirty="0"/>
           </a:p>
         </p:txBody>
@@ -3341,9 +3323,9 @@
             </a:lvl1pPr>
           </a:lstStyle>
           <a:p>
-            <a:fld id="{30864409-F725-4558-88D0-73EA1B5EF065}" type="datetime1">
+            <a:fld id="{F12805BB-4CC5-4C9A-9132-97E167EEE6C3}" type="datetime1">
               <a:rPr kumimoji="1" lang="ja-JP" altLang="en-US" smtClean="0"/>
-              <a:t>2022/12/11</a:t>
+              <a:t>2022/12/12</a:t>
             </a:fld>
             <a:endParaRPr kumimoji="1" lang="ja-JP" altLang="en-US"/>
           </a:p>
@@ -3379,10 +3361,8 @@
           <a:p>
             <a:r>
               <a:rPr kumimoji="1" lang="en-US" altLang="ja-JP"/>
-              <a:t>Precision Mechatronics Systems Laboratory</a:t>
-            </a:r>
-          </a:p>
-          <a:p>
+              <a:t>Test1</a:t>
+            </a:r>
             <a:endParaRPr kumimoji="1" lang="ja-JP" altLang="en-US" dirty="0"/>
           </a:p>
         </p:txBody>
@@ -3725,9 +3705,9 @@
           <a:bodyPr/>
           <a:lstStyle/>
           <a:p>
-            <a:fld id="{EA61E452-CDC9-4F07-9A87-4280EDE323FF}" type="datetime1">
+            <a:fld id="{24419115-20CC-402C-8682-54C765072332}" type="datetime1">
               <a:rPr kumimoji="1" lang="ja-JP" altLang="en-US" smtClean="0"/>
-              <a:t>2022/12/11</a:t>
+              <a:t>2022/12/12</a:t>
             </a:fld>
             <a:endParaRPr kumimoji="1" lang="ja-JP" altLang="en-US"/>
           </a:p>
@@ -3750,10 +3730,8 @@
           <a:p>
             <a:r>
               <a:rPr kumimoji="1" lang="en-US" altLang="ja-JP"/>
-              <a:t>Precision Mechatronics Systems Laboratory</a:t>
-            </a:r>
-          </a:p>
-          <a:p>
+              <a:t>Test1</a:t>
+            </a:r>
             <a:endParaRPr kumimoji="1" lang="ja-JP" altLang="en-US" dirty="0"/>
           </a:p>
         </p:txBody>
@@ -4051,9 +4029,9 @@
             </a:lvl1pPr>
           </a:lstStyle>
           <a:p>
-            <a:fld id="{60FF1E76-C78C-471F-B92F-BF572AFBA7B0}" type="datetime1">
+            <a:fld id="{0B8ACACD-DA09-4162-8169-719844253064}" type="datetime1">
               <a:rPr kumimoji="1" lang="ja-JP" altLang="en-US" smtClean="0"/>
-              <a:t>2022/12/11</a:t>
+              <a:t>2022/12/12</a:t>
             </a:fld>
             <a:endParaRPr kumimoji="1" lang="ja-JP" altLang="en-US"/>
           </a:p>
@@ -4092,10 +4070,8 @@
           <a:p>
             <a:r>
               <a:rPr kumimoji="1" lang="en-US" altLang="ja-JP"/>
-              <a:t>Precision Mechatronics Systems Laboratory</a:t>
-            </a:r>
-          </a:p>
-          <a:p>
+              <a:t>Test1</a:t>
+            </a:r>
             <a:endParaRPr kumimoji="1" lang="ja-JP" altLang="en-US" dirty="0"/>
           </a:p>
         </p:txBody>
@@ -4804,10 +4780,8 @@
           <a:p>
             <a:r>
               <a:rPr kumimoji="1" lang="en-US" altLang="ja-JP"/>
-              <a:t>Precision Mechatronics Systems Laboratory</a:t>
-            </a:r>
-          </a:p>
-          <a:p>
+              <a:t>Test1</a:t>
+            </a:r>
             <a:endParaRPr kumimoji="1" lang="ja-JP" altLang="en-US" dirty="0"/>
           </a:p>
         </p:txBody>
@@ -4953,10 +4927,8 @@
           <a:p>
             <a:r>
               <a:rPr kumimoji="1" lang="en-US" altLang="ja-JP"/>
-              <a:t>Precision Mechatronics Systems Laboratory</a:t>
-            </a:r>
-          </a:p>
-          <a:p>
+              <a:t>Test1</a:t>
+            </a:r>
             <a:endParaRPr kumimoji="1" lang="ja-JP" altLang="en-US" dirty="0"/>
           </a:p>
         </p:txBody>
@@ -5108,10 +5080,8 @@
           <a:p>
             <a:r>
               <a:rPr kumimoji="1" lang="en-US" altLang="ja-JP"/>
-              <a:t>Precision Mechatronics Systems Laboratory</a:t>
-            </a:r>
-          </a:p>
-          <a:p>
+              <a:t>Test1</a:t>
+            </a:r>
             <a:endParaRPr kumimoji="1" lang="ja-JP" altLang="en-US" dirty="0"/>
           </a:p>
         </p:txBody>
@@ -5256,10 +5226,8 @@
           <a:p>
             <a:r>
               <a:rPr kumimoji="1" lang="en-US" altLang="ja-JP"/>
-              <a:t>Precision Mechatronics Systems Laboratory</a:t>
-            </a:r>
-          </a:p>
-          <a:p>
+              <a:t>Test1</a:t>
+            </a:r>
             <a:endParaRPr kumimoji="1" lang="ja-JP" altLang="en-US" dirty="0"/>
           </a:p>
         </p:txBody>
@@ -5405,10 +5373,8 @@
           <a:p>
             <a:r>
               <a:rPr kumimoji="1" lang="en-US" altLang="ja-JP"/>
-              <a:t>Precision Mechatronics Systems Laboratory</a:t>
-            </a:r>
-          </a:p>
-          <a:p>
+              <a:t>Test1</a:t>
+            </a:r>
             <a:endParaRPr kumimoji="1" lang="ja-JP" altLang="en-US" dirty="0"/>
           </a:p>
         </p:txBody>
@@ -5554,10 +5520,8 @@
           <a:p>
             <a:r>
               <a:rPr kumimoji="1" lang="en-US" altLang="ja-JP"/>
-              <a:t>Precision Mechatronics Systems Laboratory</a:t>
-            </a:r>
-          </a:p>
-          <a:p>
+              <a:t>Test1</a:t>
+            </a:r>
             <a:endParaRPr kumimoji="1" lang="ja-JP" altLang="en-US" dirty="0"/>
           </a:p>
         </p:txBody>
